--- a/background.pptx
+++ b/background.pptx
@@ -259,7 +259,7 @@
           <a:p>
             <a:fld id="{35AEAC6E-D6BF-964B-9982-E5E3F1A7CEFA}" type="datetimeFigureOut">
               <a:rPr kumimoji="1" lang="zh-CN" altLang="en-US" smtClean="0"/>
-              <a:t>2024/3/10</a:t>
+              <a:t>2024/3/12</a:t>
             </a:fld>
             <a:endParaRPr kumimoji="1" lang="zh-CN" altLang="en-US"/>
           </a:p>
@@ -457,7 +457,7 @@
           <a:p>
             <a:fld id="{35AEAC6E-D6BF-964B-9982-E5E3F1A7CEFA}" type="datetimeFigureOut">
               <a:rPr kumimoji="1" lang="zh-CN" altLang="en-US" smtClean="0"/>
-              <a:t>2024/3/10</a:t>
+              <a:t>2024/3/12</a:t>
             </a:fld>
             <a:endParaRPr kumimoji="1" lang="zh-CN" altLang="en-US"/>
           </a:p>
@@ -665,7 +665,7 @@
           <a:p>
             <a:fld id="{35AEAC6E-D6BF-964B-9982-E5E3F1A7CEFA}" type="datetimeFigureOut">
               <a:rPr kumimoji="1" lang="zh-CN" altLang="en-US" smtClean="0"/>
-              <a:t>2024/3/10</a:t>
+              <a:t>2024/3/12</a:t>
             </a:fld>
             <a:endParaRPr kumimoji="1" lang="zh-CN" altLang="en-US"/>
           </a:p>
@@ -863,7 +863,7 @@
           <a:p>
             <a:fld id="{35AEAC6E-D6BF-964B-9982-E5E3F1A7CEFA}" type="datetimeFigureOut">
               <a:rPr kumimoji="1" lang="zh-CN" altLang="en-US" smtClean="0"/>
-              <a:t>2024/3/10</a:t>
+              <a:t>2024/3/12</a:t>
             </a:fld>
             <a:endParaRPr kumimoji="1" lang="zh-CN" altLang="en-US"/>
           </a:p>
@@ -1138,7 +1138,7 @@
           <a:p>
             <a:fld id="{35AEAC6E-D6BF-964B-9982-E5E3F1A7CEFA}" type="datetimeFigureOut">
               <a:rPr kumimoji="1" lang="zh-CN" altLang="en-US" smtClean="0"/>
-              <a:t>2024/3/10</a:t>
+              <a:t>2024/3/12</a:t>
             </a:fld>
             <a:endParaRPr kumimoji="1" lang="zh-CN" altLang="en-US"/>
           </a:p>
@@ -1403,7 +1403,7 @@
           <a:p>
             <a:fld id="{35AEAC6E-D6BF-964B-9982-E5E3F1A7CEFA}" type="datetimeFigureOut">
               <a:rPr kumimoji="1" lang="zh-CN" altLang="en-US" smtClean="0"/>
-              <a:t>2024/3/10</a:t>
+              <a:t>2024/3/12</a:t>
             </a:fld>
             <a:endParaRPr kumimoji="1" lang="zh-CN" altLang="en-US"/>
           </a:p>
@@ -1815,7 +1815,7 @@
           <a:p>
             <a:fld id="{35AEAC6E-D6BF-964B-9982-E5E3F1A7CEFA}" type="datetimeFigureOut">
               <a:rPr kumimoji="1" lang="zh-CN" altLang="en-US" smtClean="0"/>
-              <a:t>2024/3/10</a:t>
+              <a:t>2024/3/12</a:t>
             </a:fld>
             <a:endParaRPr kumimoji="1" lang="zh-CN" altLang="en-US"/>
           </a:p>
@@ -1956,7 +1956,7 @@
           <a:p>
             <a:fld id="{35AEAC6E-D6BF-964B-9982-E5E3F1A7CEFA}" type="datetimeFigureOut">
               <a:rPr kumimoji="1" lang="zh-CN" altLang="en-US" smtClean="0"/>
-              <a:t>2024/3/10</a:t>
+              <a:t>2024/3/12</a:t>
             </a:fld>
             <a:endParaRPr kumimoji="1" lang="zh-CN" altLang="en-US"/>
           </a:p>
@@ -2069,7 +2069,7 @@
           <a:p>
             <a:fld id="{35AEAC6E-D6BF-964B-9982-E5E3F1A7CEFA}" type="datetimeFigureOut">
               <a:rPr kumimoji="1" lang="zh-CN" altLang="en-US" smtClean="0"/>
-              <a:t>2024/3/10</a:t>
+              <a:t>2024/3/12</a:t>
             </a:fld>
             <a:endParaRPr kumimoji="1" lang="zh-CN" altLang="en-US"/>
           </a:p>
@@ -2380,7 +2380,7 @@
           <a:p>
             <a:fld id="{35AEAC6E-D6BF-964B-9982-E5E3F1A7CEFA}" type="datetimeFigureOut">
               <a:rPr kumimoji="1" lang="zh-CN" altLang="en-US" smtClean="0"/>
-              <a:t>2024/3/10</a:t>
+              <a:t>2024/3/12</a:t>
             </a:fld>
             <a:endParaRPr kumimoji="1" lang="zh-CN" altLang="en-US"/>
           </a:p>
@@ -2668,7 +2668,7 @@
           <a:p>
             <a:fld id="{35AEAC6E-D6BF-964B-9982-E5E3F1A7CEFA}" type="datetimeFigureOut">
               <a:rPr kumimoji="1" lang="zh-CN" altLang="en-US" smtClean="0"/>
-              <a:t>2024/3/10</a:t>
+              <a:t>2024/3/12</a:t>
             </a:fld>
             <a:endParaRPr kumimoji="1" lang="zh-CN" altLang="en-US"/>
           </a:p>
@@ -2909,7 +2909,7 @@
           <a:p>
             <a:fld id="{35AEAC6E-D6BF-964B-9982-E5E3F1A7CEFA}" type="datetimeFigureOut">
               <a:rPr kumimoji="1" lang="zh-CN" altLang="en-US" smtClean="0"/>
-              <a:t>2024/3/10</a:t>
+              <a:t>2024/3/12</a:t>
             </a:fld>
             <a:endParaRPr kumimoji="1" lang="zh-CN" altLang="en-US"/>
           </a:p>
@@ -3326,12 +3326,42 @@
           <a:chExt cx="0" cy="0"/>
         </a:xfrm>
       </p:grpSpPr>
+      <p:pic>
+        <p:nvPicPr>
+          <p:cNvPr id="5" name="图片 4" descr="穿着西装笔挺的男子&#10;&#10;描述已自动生成">
+            <a:extLst>
+              <a:ext uri="{FF2B5EF4-FFF2-40B4-BE49-F238E27FC236}">
+                <a16:creationId xmlns:a16="http://schemas.microsoft.com/office/drawing/2014/main" id="{0F1A37CE-EDF3-AB98-0662-68C461FEB7D6}"/>
+              </a:ext>
+            </a:extLst>
+          </p:cNvPr>
+          <p:cNvPicPr>
+            <a:picLocks noChangeAspect="1"/>
+          </p:cNvPicPr>
+          <p:nvPr/>
+        </p:nvPicPr>
+        <p:blipFill>
+          <a:blip r:embed="rId2"/>
+          <a:stretch>
+            <a:fillRect/>
+          </a:stretch>
+        </p:blipFill>
+        <p:spPr>
+          <a:xfrm>
+            <a:off x="1383110" y="2253731"/>
+            <a:ext cx="1760162" cy="2351261"/>
+          </a:xfrm>
+          <a:prstGeom prst="rect">
+            <a:avLst/>
+          </a:prstGeom>
+        </p:spPr>
+      </p:pic>
       <p:grpSp>
         <p:nvGrpSpPr>
-          <p:cNvPr id="4" name="组合 3">
-            <a:extLst>
-              <a:ext uri="{FF2B5EF4-FFF2-40B4-BE49-F238E27FC236}">
-                <a16:creationId xmlns:a16="http://schemas.microsoft.com/office/drawing/2014/main" id="{35979E68-1B0A-48D3-4135-5E0EA885D654}"/>
+          <p:cNvPr id="6" name="组合 5">
+            <a:extLst>
+              <a:ext uri="{FF2B5EF4-FFF2-40B4-BE49-F238E27FC236}">
+                <a16:creationId xmlns:a16="http://schemas.microsoft.com/office/drawing/2014/main" id="{B114C188-C3E4-6FB2-E972-2023300AE8BD}"/>
               </a:ext>
             </a:extLst>
           </p:cNvPr>
@@ -3340,18 +3370,66 @@
         </p:nvGrpSpPr>
         <p:grpSpPr>
           <a:xfrm>
-            <a:off x="1383110" y="2253008"/>
-            <a:ext cx="9425780" cy="2351984"/>
-            <a:chOff x="715293" y="1754201"/>
-            <a:chExt cx="9425780" cy="2351984"/>
+            <a:off x="3630783" y="2253008"/>
+            <a:ext cx="4916548" cy="2360276"/>
+            <a:chOff x="3867252" y="1396953"/>
+            <a:chExt cx="4916548" cy="2360276"/>
           </a:xfrm>
         </p:grpSpPr>
+        <p:sp>
+          <p:nvSpPr>
+            <p:cNvPr id="10" name="文本框 9">
+              <a:extLst>
+                <a:ext uri="{FF2B5EF4-FFF2-40B4-BE49-F238E27FC236}">
+                  <a16:creationId xmlns:a16="http://schemas.microsoft.com/office/drawing/2014/main" id="{95432086-46EA-C273-562E-C793D4FB2795}"/>
+                </a:ext>
+              </a:extLst>
+            </p:cNvPr>
+            <p:cNvSpPr txBox="1"/>
+            <p:nvPr/>
+          </p:nvSpPr>
+          <p:spPr>
+            <a:xfrm>
+              <a:off x="3867252" y="1396953"/>
+              <a:ext cx="1210588" cy="400110"/>
+            </a:xfrm>
+            <a:prstGeom prst="rect">
+              <a:avLst/>
+            </a:prstGeom>
+            <a:noFill/>
+          </p:spPr>
+          <p:txBody>
+            <a:bodyPr wrap="none" rtlCol="0">
+              <a:spAutoFit/>
+            </a:bodyPr>
+            <a:lstStyle/>
+            <a:p>
+              <a:r>
+                <a:rPr lang="zh-CN" altLang="en-US" sz="2000" dirty="0">
+                  <a:solidFill>
+                    <a:srgbClr val="159957"/>
+                  </a:solidFill>
+                  <a:latin typeface="Microsoft YaHei" panose="020B0503020204020204" pitchFamily="34" charset="-122"/>
+                  <a:ea typeface="Microsoft YaHei" panose="020B0503020204020204" pitchFamily="34" charset="-122"/>
+                </a:rPr>
+                <a:t>教育背景</a:t>
+              </a:r>
+              <a:endParaRPr lang="en-US" altLang="zh-CN" sz="2000" dirty="0">
+                <a:solidFill>
+                  <a:srgbClr val="159957"/>
+                </a:solidFill>
+                <a:latin typeface="Microsoft YaHei" panose="020B0503020204020204" pitchFamily="34" charset="-122"/>
+                <a:ea typeface="Microsoft YaHei" panose="020B0503020204020204" pitchFamily="34" charset="-122"/>
+              </a:endParaRPr>
+            </a:p>
+          </p:txBody>
+        </p:sp>
         <p:pic>
           <p:nvPicPr>
-            <p:cNvPr id="5" name="图片 4" descr="穿着西装笔挺的男子&#10;&#10;描述已自动生成">
+            <p:cNvPr id="11" name="图片 10" descr="形状&#10;&#10;低可信度描述已自动生成">
               <a:extLst>
                 <a:ext uri="{FF2B5EF4-FFF2-40B4-BE49-F238E27FC236}">
-                  <a16:creationId xmlns:a16="http://schemas.microsoft.com/office/drawing/2014/main" id="{0F1A37CE-EDF3-AB98-0662-68C461FEB7D6}"/>
+                  <a16:creationId xmlns:a16="http://schemas.microsoft.com/office/drawing/2014/main" id="{C171A6CF-2957-E654-054B-5730CA6C2682}"/>
                 </a:ext>
               </a:extLst>
             </p:cNvPr>
@@ -3361,581 +3439,482 @@
             <p:nvPr/>
           </p:nvPicPr>
           <p:blipFill>
-            <a:blip r:embed="rId2"/>
+            <a:blip r:embed="rId3">
+              <a:duotone>
+                <a:schemeClr val="bg2">
+                  <a:shade val="45000"/>
+                  <a:satMod val="135000"/>
+                </a:schemeClr>
+                <a:prstClr val="white"/>
+              </a:duotone>
+            </a:blip>
             <a:stretch>
               <a:fillRect/>
             </a:stretch>
           </p:blipFill>
           <p:spPr>
             <a:xfrm>
-              <a:off x="715293" y="1754924"/>
-              <a:ext cx="1760162" cy="2351261"/>
+              <a:off x="4148546" y="1991873"/>
+              <a:ext cx="324000" cy="324000"/>
             </a:xfrm>
             <a:prstGeom prst="rect">
               <a:avLst/>
             </a:prstGeom>
           </p:spPr>
         </p:pic>
-        <p:grpSp>
-          <p:nvGrpSpPr>
-            <p:cNvPr id="6" name="组合 5">
+        <p:sp>
+          <p:nvSpPr>
+            <p:cNvPr id="12" name="文本框 11">
               <a:extLst>
                 <a:ext uri="{FF2B5EF4-FFF2-40B4-BE49-F238E27FC236}">
-                  <a16:creationId xmlns:a16="http://schemas.microsoft.com/office/drawing/2014/main" id="{B114C188-C3E4-6FB2-E972-2023300AE8BD}"/>
+                  <a16:creationId xmlns:a16="http://schemas.microsoft.com/office/drawing/2014/main" id="{6D92EB85-5F94-735E-EBD0-3B459F3F3A81}"/>
                 </a:ext>
               </a:extLst>
             </p:cNvPr>
-            <p:cNvGrpSpPr/>
+            <p:cNvSpPr txBox="1"/>
             <p:nvPr/>
-          </p:nvGrpSpPr>
-          <p:grpSpPr>
+          </p:nvSpPr>
+          <p:spPr>
             <a:xfrm>
-              <a:off x="3189521" y="1754201"/>
-              <a:ext cx="4441767" cy="2329499"/>
-              <a:chOff x="3867252" y="1396953"/>
-              <a:chExt cx="4441767" cy="2329499"/>
+              <a:off x="4472546" y="1986929"/>
+              <a:ext cx="4311254" cy="584775"/>
             </a:xfrm>
-          </p:grpSpPr>
-          <p:sp>
-            <p:nvSpPr>
-              <p:cNvPr id="10" name="文本框 9">
-                <a:extLst>
-                  <a:ext uri="{FF2B5EF4-FFF2-40B4-BE49-F238E27FC236}">
-                    <a16:creationId xmlns:a16="http://schemas.microsoft.com/office/drawing/2014/main" id="{95432086-46EA-C273-562E-C793D4FB2795}"/>
-                  </a:ext>
-                </a:extLst>
-              </p:cNvPr>
-              <p:cNvSpPr txBox="1"/>
-              <p:nvPr/>
-            </p:nvSpPr>
-            <p:spPr>
-              <a:xfrm>
-                <a:off x="3867252" y="1396953"/>
-                <a:ext cx="1210588" cy="400110"/>
-              </a:xfrm>
-              <a:prstGeom prst="rect">
-                <a:avLst/>
-              </a:prstGeom>
-              <a:noFill/>
-            </p:spPr>
-            <p:txBody>
-              <a:bodyPr wrap="none" rtlCol="0">
-                <a:spAutoFit/>
-              </a:bodyPr>
-              <a:lstStyle/>
-              <a:p>
-                <a:r>
-                  <a:rPr lang="zh-CN" altLang="en-US" sz="2000" b="1" dirty="0">
-                    <a:solidFill>
-                      <a:srgbClr val="606C71"/>
-                    </a:solidFill>
-                    <a:latin typeface="Microsoft YaHei" panose="020B0503020204020204" pitchFamily="34" charset="-122"/>
-                    <a:ea typeface="Microsoft YaHei" panose="020B0503020204020204" pitchFamily="34" charset="-122"/>
-                  </a:rPr>
-                  <a:t>教育背景</a:t>
-                </a:r>
-                <a:endParaRPr lang="en-US" altLang="zh-CN" sz="2000" b="1" dirty="0">
+            <a:prstGeom prst="rect">
+              <a:avLst/>
+            </a:prstGeom>
+            <a:noFill/>
+          </p:spPr>
+          <p:txBody>
+            <a:bodyPr wrap="square" lIns="90000" rtlCol="0">
+              <a:spAutoFit/>
+            </a:bodyPr>
+            <a:lstStyle/>
+            <a:p>
+              <a:r>
+                <a:rPr lang="zh-CN" altLang="en-US" sz="1600" dirty="0">
                   <a:solidFill>
                     <a:srgbClr val="606C71"/>
                   </a:solidFill>
                   <a:latin typeface="Microsoft YaHei" panose="020B0503020204020204" pitchFamily="34" charset="-122"/>
                   <a:ea typeface="Microsoft YaHei" panose="020B0503020204020204" pitchFamily="34" charset="-122"/>
-                </a:endParaRPr>
-              </a:p>
-            </p:txBody>
-          </p:sp>
-          <p:pic>
-            <p:nvPicPr>
-              <p:cNvPr id="11" name="图片 10" descr="形状&#10;&#10;低可信度描述已自动生成">
-                <a:extLst>
-                  <a:ext uri="{FF2B5EF4-FFF2-40B4-BE49-F238E27FC236}">
-                    <a16:creationId xmlns:a16="http://schemas.microsoft.com/office/drawing/2014/main" id="{C171A6CF-2957-E654-054B-5730CA6C2682}"/>
-                  </a:ext>
-                </a:extLst>
-              </p:cNvPr>
-              <p:cNvPicPr>
-                <a:picLocks noChangeAspect="1"/>
-              </p:cNvPicPr>
-              <p:nvPr/>
-            </p:nvPicPr>
-            <p:blipFill>
-              <a:blip r:embed="rId3">
-                <a:duotone>
-                  <a:schemeClr val="bg2">
-                    <a:shade val="45000"/>
-                    <a:satMod val="135000"/>
-                  </a:schemeClr>
-                  <a:prstClr val="white"/>
-                </a:duotone>
-              </a:blip>
-              <a:stretch>
-                <a:fillRect/>
-              </a:stretch>
-            </p:blipFill>
-            <p:spPr>
-              <a:xfrm>
-                <a:off x="4184546" y="1986929"/>
-                <a:ext cx="288000" cy="288000"/>
-              </a:xfrm>
-              <a:prstGeom prst="rect">
-                <a:avLst/>
-              </a:prstGeom>
-            </p:spPr>
-          </p:pic>
-          <p:sp>
-            <p:nvSpPr>
-              <p:cNvPr id="12" name="文本框 11">
-                <a:extLst>
-                  <a:ext uri="{FF2B5EF4-FFF2-40B4-BE49-F238E27FC236}">
-                    <a16:creationId xmlns:a16="http://schemas.microsoft.com/office/drawing/2014/main" id="{6D92EB85-5F94-735E-EBD0-3B459F3F3A81}"/>
-                  </a:ext>
-                </a:extLst>
-              </p:cNvPr>
-              <p:cNvSpPr txBox="1"/>
-              <p:nvPr/>
-            </p:nvSpPr>
-            <p:spPr>
-              <a:xfrm>
-                <a:off x="4472546" y="1986929"/>
-                <a:ext cx="3836473" cy="523220"/>
-              </a:xfrm>
-              <a:prstGeom prst="rect">
-                <a:avLst/>
-              </a:prstGeom>
-              <a:noFill/>
-            </p:spPr>
-            <p:txBody>
-              <a:bodyPr wrap="square" lIns="90000" rtlCol="0">
-                <a:spAutoFit/>
-              </a:bodyPr>
-              <a:lstStyle/>
-              <a:p>
-                <a:r>
-                  <a:rPr lang="zh-CN" altLang="en-US" sz="1400" dirty="0">
-                    <a:solidFill>
-                      <a:srgbClr val="606C71"/>
-                    </a:solidFill>
-                    <a:latin typeface="Microsoft YaHei" panose="020B0503020204020204" pitchFamily="34" charset="-122"/>
-                    <a:ea typeface="Microsoft YaHei" panose="020B0503020204020204" pitchFamily="34" charset="-122"/>
-                  </a:rPr>
-                  <a:t>博士，机械工程（智能网联车辆），清华大学，预计</a:t>
-                </a:r>
-                <a:r>
-                  <a:rPr lang="en-US" altLang="zh-CN" sz="1400" dirty="0">
-                    <a:solidFill>
-                      <a:srgbClr val="606C71"/>
-                    </a:solidFill>
-                    <a:latin typeface="Microsoft YaHei" panose="020B0503020204020204" pitchFamily="34" charset="-122"/>
-                    <a:ea typeface="Microsoft YaHei" panose="020B0503020204020204" pitchFamily="34" charset="-122"/>
-                  </a:rPr>
-                  <a:t>2024</a:t>
-                </a:r>
-                <a:r>
-                  <a:rPr lang="zh-CN" altLang="en-US" sz="1400" dirty="0">
-                    <a:solidFill>
-                      <a:srgbClr val="606C71"/>
-                    </a:solidFill>
-                    <a:latin typeface="Microsoft YaHei" panose="020B0503020204020204" pitchFamily="34" charset="-122"/>
-                    <a:ea typeface="Microsoft YaHei" panose="020B0503020204020204" pitchFamily="34" charset="-122"/>
-                  </a:rPr>
-                  <a:t>年</a:t>
-                </a:r>
-              </a:p>
-            </p:txBody>
-          </p:sp>
-          <p:pic>
-            <p:nvPicPr>
-              <p:cNvPr id="13" name="图片 12" descr="形状&#10;&#10;低可信度描述已自动生成">
-                <a:extLst>
-                  <a:ext uri="{FF2B5EF4-FFF2-40B4-BE49-F238E27FC236}">
-                    <a16:creationId xmlns:a16="http://schemas.microsoft.com/office/drawing/2014/main" id="{E8480764-1028-743B-0F4F-762F8873E569}"/>
-                  </a:ext>
-                </a:extLst>
-              </p:cNvPr>
-              <p:cNvPicPr>
-                <a:picLocks noChangeAspect="1"/>
-              </p:cNvPicPr>
-              <p:nvPr/>
-            </p:nvPicPr>
-            <p:blipFill>
-              <a:blip r:embed="rId3">
-                <a:duotone>
-                  <a:schemeClr val="bg2">
-                    <a:shade val="45000"/>
-                    <a:satMod val="135000"/>
-                  </a:schemeClr>
-                  <a:prstClr val="white"/>
-                </a:duotone>
-              </a:blip>
-              <a:stretch>
-                <a:fillRect/>
-              </a:stretch>
-            </p:blipFill>
-            <p:spPr>
-              <a:xfrm>
-                <a:off x="4184546" y="2707746"/>
-                <a:ext cx="288000" cy="288000"/>
-              </a:xfrm>
-              <a:prstGeom prst="rect">
-                <a:avLst/>
-              </a:prstGeom>
-            </p:spPr>
-          </p:pic>
-          <p:sp>
-            <p:nvSpPr>
-              <p:cNvPr id="14" name="文本框 13">
-                <a:extLst>
-                  <a:ext uri="{FF2B5EF4-FFF2-40B4-BE49-F238E27FC236}">
-                    <a16:creationId xmlns:a16="http://schemas.microsoft.com/office/drawing/2014/main" id="{E514D6A3-A6ED-4712-4721-E80ADBE0BEF2}"/>
-                  </a:ext>
-                </a:extLst>
-              </p:cNvPr>
-              <p:cNvSpPr txBox="1"/>
-              <p:nvPr/>
-            </p:nvSpPr>
-            <p:spPr>
-              <a:xfrm>
-                <a:off x="4472546" y="2702802"/>
-                <a:ext cx="3836473" cy="523220"/>
-              </a:xfrm>
-              <a:prstGeom prst="rect">
-                <a:avLst/>
-              </a:prstGeom>
-            </p:spPr>
-            <p:txBody>
-              <a:bodyPr wrap="square" rtlCol="0">
-                <a:spAutoFit/>
-              </a:bodyPr>
-              <a:lstStyle/>
-              <a:p>
-                <a:r>
-                  <a:rPr lang="zh-CN" altLang="en-US" sz="1400" dirty="0">
-                    <a:solidFill>
-                      <a:srgbClr val="606C71"/>
-                    </a:solidFill>
-                    <a:latin typeface="Microsoft YaHei" panose="020B0503020204020204" pitchFamily="34" charset="-122"/>
-                    <a:ea typeface="Microsoft YaHei" panose="020B0503020204020204" pitchFamily="34" charset="-122"/>
-                  </a:rPr>
-                  <a:t>硕士，机械工程（智能网联车辆），清华大学、亚琛工业大学，</a:t>
-                </a:r>
-                <a:r>
-                  <a:rPr lang="en-US" altLang="zh-CN" sz="1400" dirty="0">
-                    <a:solidFill>
-                      <a:srgbClr val="606C71"/>
-                    </a:solidFill>
-                    <a:latin typeface="Microsoft YaHei" panose="020B0503020204020204" pitchFamily="34" charset="-122"/>
-                    <a:ea typeface="Microsoft YaHei" panose="020B0503020204020204" pitchFamily="34" charset="-122"/>
-                  </a:rPr>
-                  <a:t>2020</a:t>
-                </a:r>
-                <a:r>
-                  <a:rPr lang="zh-CN" altLang="en-US" sz="1400" dirty="0">
-                    <a:solidFill>
-                      <a:srgbClr val="606C71"/>
-                    </a:solidFill>
-                    <a:latin typeface="Microsoft YaHei" panose="020B0503020204020204" pitchFamily="34" charset="-122"/>
-                    <a:ea typeface="Microsoft YaHei" panose="020B0503020204020204" pitchFamily="34" charset="-122"/>
-                  </a:rPr>
-                  <a:t>年</a:t>
-                </a:r>
-              </a:p>
-            </p:txBody>
-          </p:sp>
-          <p:pic>
-            <p:nvPicPr>
-              <p:cNvPr id="15" name="图片 14" descr="形状&#10;&#10;低可信度描述已自动生成">
-                <a:extLst>
-                  <a:ext uri="{FF2B5EF4-FFF2-40B4-BE49-F238E27FC236}">
-                    <a16:creationId xmlns:a16="http://schemas.microsoft.com/office/drawing/2014/main" id="{9FC2DAB0-9918-63B1-9D1F-FF59F627C7F2}"/>
-                  </a:ext>
-                </a:extLst>
-              </p:cNvPr>
-              <p:cNvPicPr>
-                <a:picLocks noChangeAspect="1"/>
-              </p:cNvPicPr>
-              <p:nvPr/>
-            </p:nvPicPr>
-            <p:blipFill>
-              <a:blip r:embed="rId3">
-                <a:duotone>
-                  <a:schemeClr val="bg2">
-                    <a:shade val="45000"/>
-                    <a:satMod val="135000"/>
-                  </a:schemeClr>
-                  <a:prstClr val="white"/>
-                </a:duotone>
-              </a:blip>
-              <a:stretch>
-                <a:fillRect/>
-              </a:stretch>
-            </p:blipFill>
-            <p:spPr>
-              <a:xfrm>
-                <a:off x="4184546" y="3428563"/>
-                <a:ext cx="288000" cy="288000"/>
-              </a:xfrm>
-              <a:prstGeom prst="rect">
-                <a:avLst/>
-              </a:prstGeom>
-            </p:spPr>
-          </p:pic>
-          <p:sp>
-            <p:nvSpPr>
-              <p:cNvPr id="16" name="文本框 15">
-                <a:extLst>
-                  <a:ext uri="{FF2B5EF4-FFF2-40B4-BE49-F238E27FC236}">
-                    <a16:creationId xmlns:a16="http://schemas.microsoft.com/office/drawing/2014/main" id="{25A3A595-55CC-D220-118C-31CC08EBF059}"/>
-                  </a:ext>
-                </a:extLst>
-              </p:cNvPr>
-              <p:cNvSpPr txBox="1"/>
-              <p:nvPr/>
-            </p:nvSpPr>
-            <p:spPr>
-              <a:xfrm>
-                <a:off x="4472546" y="3418675"/>
-                <a:ext cx="3836473" cy="307777"/>
-              </a:xfrm>
-              <a:prstGeom prst="rect">
-                <a:avLst/>
-              </a:prstGeom>
-              <a:noFill/>
-            </p:spPr>
-            <p:txBody>
-              <a:bodyPr wrap="square" rtlCol="0">
-                <a:spAutoFit/>
-              </a:bodyPr>
-              <a:lstStyle/>
-              <a:p>
-                <a:r>
-                  <a:rPr lang="zh-CN" altLang="en-US" sz="1400" dirty="0">
-                    <a:solidFill>
-                      <a:srgbClr val="606C71"/>
-                    </a:solidFill>
-                    <a:latin typeface="Microsoft YaHei" panose="020B0503020204020204" pitchFamily="34" charset="-122"/>
-                    <a:ea typeface="Microsoft YaHei" panose="020B0503020204020204" pitchFamily="34" charset="-122"/>
-                  </a:rPr>
-                  <a:t>学士，车辆工程，清华大学，</a:t>
-                </a:r>
-                <a:r>
-                  <a:rPr lang="en-US" altLang="zh-CN" sz="1400" dirty="0">
-                    <a:solidFill>
-                      <a:srgbClr val="606C71"/>
-                    </a:solidFill>
-                    <a:latin typeface="Microsoft YaHei" panose="020B0503020204020204" pitchFamily="34" charset="-122"/>
-                    <a:ea typeface="Microsoft YaHei" panose="020B0503020204020204" pitchFamily="34" charset="-122"/>
-                  </a:rPr>
-                  <a:t>2017</a:t>
-                </a:r>
-                <a:r>
-                  <a:rPr lang="zh-CN" altLang="en-US" sz="1400" dirty="0">
-                    <a:solidFill>
-                      <a:srgbClr val="606C71"/>
-                    </a:solidFill>
-                    <a:latin typeface="Microsoft YaHei" panose="020B0503020204020204" pitchFamily="34" charset="-122"/>
-                    <a:ea typeface="Microsoft YaHei" panose="020B0503020204020204" pitchFamily="34" charset="-122"/>
-                  </a:rPr>
-                  <a:t>年</a:t>
-                </a:r>
-              </a:p>
-            </p:txBody>
-          </p:sp>
-        </p:grpSp>
-        <p:grpSp>
-          <p:nvGrpSpPr>
-            <p:cNvPr id="7" name="组合 6">
-              <a:extLst>
-                <a:ext uri="{FF2B5EF4-FFF2-40B4-BE49-F238E27FC236}">
-                  <a16:creationId xmlns:a16="http://schemas.microsoft.com/office/drawing/2014/main" id="{FF4409D1-ACD2-E374-1EC3-09D495675F1D}"/>
-                </a:ext>
-              </a:extLst>
-            </p:cNvPr>
-            <p:cNvGrpSpPr/>
-            <p:nvPr/>
-          </p:nvGrpSpPr>
-          <p:grpSpPr>
-            <a:xfrm>
-              <a:off x="8258166" y="1757891"/>
-              <a:ext cx="1882907" cy="2147284"/>
-              <a:chOff x="8172105" y="1754201"/>
-              <a:chExt cx="1882907" cy="2147284"/>
-            </a:xfrm>
-          </p:grpSpPr>
-          <p:sp>
-            <p:nvSpPr>
-              <p:cNvPr id="8" name="文本框 7">
-                <a:extLst>
-                  <a:ext uri="{FF2B5EF4-FFF2-40B4-BE49-F238E27FC236}">
-                    <a16:creationId xmlns:a16="http://schemas.microsoft.com/office/drawing/2014/main" id="{BB5E2D2C-E363-4F38-DD75-82B1BD54306E}"/>
-                  </a:ext>
-                </a:extLst>
-              </p:cNvPr>
-              <p:cNvSpPr txBox="1"/>
-              <p:nvPr/>
-            </p:nvSpPr>
-            <p:spPr>
-              <a:xfrm>
-                <a:off x="8172105" y="1754201"/>
-                <a:ext cx="1210588" cy="400110"/>
-              </a:xfrm>
-              <a:prstGeom prst="rect">
-                <a:avLst/>
-              </a:prstGeom>
-              <a:noFill/>
-            </p:spPr>
-            <p:txBody>
-              <a:bodyPr wrap="none" rtlCol="0">
-                <a:spAutoFit/>
-              </a:bodyPr>
-              <a:lstStyle/>
-              <a:p>
-                <a:r>
-                  <a:rPr lang="zh-CN" altLang="en-US" sz="2000" b="1" dirty="0">
-                    <a:solidFill>
-                      <a:srgbClr val="606C71"/>
-                    </a:solidFill>
-                    <a:latin typeface="Microsoft YaHei" panose="020B0503020204020204" pitchFamily="34" charset="-122"/>
-                    <a:ea typeface="Microsoft YaHei" panose="020B0503020204020204" pitchFamily="34" charset="-122"/>
-                  </a:rPr>
-                  <a:t>研究方向</a:t>
-                </a:r>
-                <a:endParaRPr lang="en-US" altLang="zh-CN" sz="2000" b="1" dirty="0">
+                </a:rPr>
+                <a:t>博士，机械工程（智能网联车辆），清华大学，预计</a:t>
+              </a:r>
+              <a:r>
+                <a:rPr lang="en-US" altLang="zh-CN" sz="1600" dirty="0">
                   <a:solidFill>
                     <a:srgbClr val="606C71"/>
                   </a:solidFill>
                   <a:latin typeface="Microsoft YaHei" panose="020B0503020204020204" pitchFamily="34" charset="-122"/>
                   <a:ea typeface="Microsoft YaHei" panose="020B0503020204020204" pitchFamily="34" charset="-122"/>
-                </a:endParaRPr>
-              </a:p>
-            </p:txBody>
-          </p:sp>
-          <p:sp>
-            <p:nvSpPr>
-              <p:cNvPr id="9" name="文本框 8">
-                <a:extLst>
-                  <a:ext uri="{FF2B5EF4-FFF2-40B4-BE49-F238E27FC236}">
-                    <a16:creationId xmlns:a16="http://schemas.microsoft.com/office/drawing/2014/main" id="{A7934E2D-AD7E-8044-46F0-832919C51ADE}"/>
-                  </a:ext>
-                </a:extLst>
-              </p:cNvPr>
-              <p:cNvSpPr txBox="1"/>
-              <p:nvPr/>
-            </p:nvSpPr>
-            <p:spPr>
-              <a:xfrm>
-                <a:off x="8504588" y="2150621"/>
-                <a:ext cx="1550424" cy="1750864"/>
-              </a:xfrm>
-              <a:prstGeom prst="rect">
-                <a:avLst/>
-              </a:prstGeom>
-              <a:noFill/>
-            </p:spPr>
-            <p:txBody>
-              <a:bodyPr wrap="none" rtlCol="0">
-                <a:spAutoFit/>
-              </a:bodyPr>
-              <a:lstStyle/>
-              <a:p>
-                <a:pPr indent="-285750">
-                  <a:lnSpc>
-                    <a:spcPct val="200000"/>
-                  </a:lnSpc>
-                  <a:buFont typeface="Wingdings" pitchFamily="2" charset="2"/>
-                  <a:buChar char="l"/>
-                </a:pPr>
-                <a:r>
-                  <a:rPr lang="zh-CN" altLang="en-US" sz="1400" dirty="0">
-                    <a:solidFill>
-                      <a:srgbClr val="606C71"/>
-                    </a:solidFill>
-                    <a:latin typeface="Microsoft YaHei" panose="020B0503020204020204" pitchFamily="34" charset="-122"/>
-                    <a:ea typeface="Microsoft YaHei" panose="020B0503020204020204" pitchFamily="34" charset="-122"/>
-                  </a:rPr>
-                  <a:t>智能辅助决策</a:t>
-                </a:r>
-                <a:endParaRPr lang="en-US" altLang="zh-CN" sz="1400" dirty="0">
+                </a:rPr>
+                <a:t>2024</a:t>
+              </a:r>
+              <a:r>
+                <a:rPr lang="zh-CN" altLang="en-US" sz="1600" dirty="0">
                   <a:solidFill>
                     <a:srgbClr val="606C71"/>
                   </a:solidFill>
                   <a:latin typeface="Microsoft YaHei" panose="020B0503020204020204" pitchFamily="34" charset="-122"/>
                   <a:ea typeface="Microsoft YaHei" panose="020B0503020204020204" pitchFamily="34" charset="-122"/>
-                </a:endParaRPr>
-              </a:p>
-              <a:p>
-                <a:pPr indent="-285750">
-                  <a:lnSpc>
-                    <a:spcPct val="200000"/>
-                  </a:lnSpc>
-                  <a:buFont typeface="Wingdings" pitchFamily="2" charset="2"/>
-                  <a:buChar char="l"/>
-                </a:pPr>
-                <a:r>
-                  <a:rPr lang="zh-CN" altLang="en-US" sz="1400" dirty="0">
-                    <a:solidFill>
-                      <a:srgbClr val="606C71"/>
-                    </a:solidFill>
-                    <a:latin typeface="Microsoft YaHei" panose="020B0503020204020204" pitchFamily="34" charset="-122"/>
-                    <a:ea typeface="Microsoft YaHei" panose="020B0503020204020204" pitchFamily="34" charset="-122"/>
-                  </a:rPr>
-                  <a:t>多车协同规划</a:t>
-                </a:r>
-                <a:endParaRPr lang="en-US" altLang="zh-CN" sz="1400" dirty="0">
+                </a:rPr>
+                <a:t>年</a:t>
+              </a:r>
+            </a:p>
+          </p:txBody>
+        </p:sp>
+        <p:pic>
+          <p:nvPicPr>
+            <p:cNvPr id="13" name="图片 12" descr="形状&#10;&#10;低可信度描述已自动生成">
+              <a:extLst>
+                <a:ext uri="{FF2B5EF4-FFF2-40B4-BE49-F238E27FC236}">
+                  <a16:creationId xmlns:a16="http://schemas.microsoft.com/office/drawing/2014/main" id="{E8480764-1028-743B-0F4F-762F8873E569}"/>
+                </a:ext>
+              </a:extLst>
+            </p:cNvPr>
+            <p:cNvPicPr>
+              <a:picLocks noChangeAspect="1"/>
+            </p:cNvPicPr>
+            <p:nvPr/>
+          </p:nvPicPr>
+          <p:blipFill>
+            <a:blip r:embed="rId3">
+              <a:duotone>
+                <a:schemeClr val="bg2">
+                  <a:shade val="45000"/>
+                  <a:satMod val="135000"/>
+                </a:schemeClr>
+                <a:prstClr val="white"/>
+              </a:duotone>
+            </a:blip>
+            <a:stretch>
+              <a:fillRect/>
+            </a:stretch>
+          </p:blipFill>
+          <p:spPr>
+            <a:xfrm>
+              <a:off x="4152664" y="2705274"/>
+              <a:ext cx="324000" cy="324000"/>
+            </a:xfrm>
+            <a:prstGeom prst="rect">
+              <a:avLst/>
+            </a:prstGeom>
+          </p:spPr>
+        </p:pic>
+        <p:sp>
+          <p:nvSpPr>
+            <p:cNvPr id="14" name="文本框 13">
+              <a:extLst>
+                <a:ext uri="{FF2B5EF4-FFF2-40B4-BE49-F238E27FC236}">
+                  <a16:creationId xmlns:a16="http://schemas.microsoft.com/office/drawing/2014/main" id="{E514D6A3-A6ED-4712-4721-E80ADBE0BEF2}"/>
+                </a:ext>
+              </a:extLst>
+            </p:cNvPr>
+            <p:cNvSpPr txBox="1"/>
+            <p:nvPr/>
+          </p:nvSpPr>
+          <p:spPr>
+            <a:xfrm>
+              <a:off x="4472546" y="2702802"/>
+              <a:ext cx="4311254" cy="584775"/>
+            </a:xfrm>
+            <a:prstGeom prst="rect">
+              <a:avLst/>
+            </a:prstGeom>
+          </p:spPr>
+          <p:txBody>
+            <a:bodyPr wrap="square" rtlCol="0">
+              <a:spAutoFit/>
+            </a:bodyPr>
+            <a:lstStyle/>
+            <a:p>
+              <a:r>
+                <a:rPr lang="zh-CN" altLang="en-US" sz="1600" dirty="0">
                   <a:solidFill>
                     <a:srgbClr val="606C71"/>
                   </a:solidFill>
                   <a:latin typeface="Microsoft YaHei" panose="020B0503020204020204" pitchFamily="34" charset="-122"/>
                   <a:ea typeface="Microsoft YaHei" panose="020B0503020204020204" pitchFamily="34" charset="-122"/>
-                </a:endParaRPr>
-              </a:p>
-              <a:p>
-                <a:pPr indent="-285750">
-                  <a:lnSpc>
-                    <a:spcPct val="200000"/>
-                  </a:lnSpc>
-                  <a:buFont typeface="Wingdings" pitchFamily="2" charset="2"/>
-                  <a:buChar char="l"/>
-                </a:pPr>
-                <a:r>
-                  <a:rPr lang="zh-CN" altLang="en-US" sz="1400" dirty="0">
-                    <a:solidFill>
-                      <a:srgbClr val="606C71"/>
-                    </a:solidFill>
-                    <a:latin typeface="Microsoft YaHei" panose="020B0503020204020204" pitchFamily="34" charset="-122"/>
-                    <a:ea typeface="Microsoft YaHei" panose="020B0503020204020204" pitchFamily="34" charset="-122"/>
-                  </a:rPr>
-                  <a:t>车辆风险评估</a:t>
-                </a:r>
-                <a:endParaRPr lang="en-US" altLang="zh-CN" sz="1400" dirty="0">
+                </a:rPr>
+                <a:t>硕士，机械工程（智能网联车辆），清华大学、亚琛工业大学，</a:t>
+              </a:r>
+              <a:r>
+                <a:rPr lang="en-US" altLang="zh-CN" sz="1600" dirty="0">
                   <a:solidFill>
                     <a:srgbClr val="606C71"/>
                   </a:solidFill>
                   <a:latin typeface="Microsoft YaHei" panose="020B0503020204020204" pitchFamily="34" charset="-122"/>
                   <a:ea typeface="Microsoft YaHei" panose="020B0503020204020204" pitchFamily="34" charset="-122"/>
-                </a:endParaRPr>
-              </a:p>
-              <a:p>
-                <a:pPr indent="-285750">
-                  <a:lnSpc>
-                    <a:spcPct val="200000"/>
-                  </a:lnSpc>
-                  <a:buFont typeface="Wingdings" pitchFamily="2" charset="2"/>
-                  <a:buChar char="l"/>
-                </a:pPr>
-                <a:r>
-                  <a:rPr lang="zh-CN" altLang="en-US" sz="1400" dirty="0">
-                    <a:solidFill>
-                      <a:srgbClr val="606C71"/>
-                    </a:solidFill>
-                    <a:latin typeface="Microsoft YaHei" panose="020B0503020204020204" pitchFamily="34" charset="-122"/>
-                    <a:ea typeface="Microsoft YaHei" panose="020B0503020204020204" pitchFamily="34" charset="-122"/>
-                  </a:rPr>
-                  <a:t>车辆安全控制</a:t>
-                </a:r>
-              </a:p>
-            </p:txBody>
-          </p:sp>
-        </p:grpSp>
+                </a:rPr>
+                <a:t>2020</a:t>
+              </a:r>
+              <a:r>
+                <a:rPr lang="zh-CN" altLang="en-US" sz="1600" dirty="0">
+                  <a:solidFill>
+                    <a:srgbClr val="606C71"/>
+                  </a:solidFill>
+                  <a:latin typeface="Microsoft YaHei" panose="020B0503020204020204" pitchFamily="34" charset="-122"/>
+                  <a:ea typeface="Microsoft YaHei" panose="020B0503020204020204" pitchFamily="34" charset="-122"/>
+                </a:rPr>
+                <a:t>年</a:t>
+              </a:r>
+            </a:p>
+          </p:txBody>
+        </p:sp>
+        <p:pic>
+          <p:nvPicPr>
+            <p:cNvPr id="15" name="图片 14" descr="形状&#10;&#10;低可信度描述已自动生成">
+              <a:extLst>
+                <a:ext uri="{FF2B5EF4-FFF2-40B4-BE49-F238E27FC236}">
+                  <a16:creationId xmlns:a16="http://schemas.microsoft.com/office/drawing/2014/main" id="{9FC2DAB0-9918-63B1-9D1F-FF59F627C7F2}"/>
+                </a:ext>
+              </a:extLst>
+            </p:cNvPr>
+            <p:cNvPicPr>
+              <a:picLocks noChangeAspect="1"/>
+            </p:cNvPicPr>
+            <p:nvPr/>
+          </p:nvPicPr>
+          <p:blipFill>
+            <a:blip r:embed="rId3">
+              <a:duotone>
+                <a:schemeClr val="bg2">
+                  <a:shade val="45000"/>
+                  <a:satMod val="135000"/>
+                </a:schemeClr>
+                <a:prstClr val="white"/>
+              </a:duotone>
+            </a:blip>
+            <a:stretch>
+              <a:fillRect/>
+            </a:stretch>
+          </p:blipFill>
+          <p:spPr>
+            <a:xfrm>
+              <a:off x="4152664" y="3418675"/>
+              <a:ext cx="324000" cy="324000"/>
+            </a:xfrm>
+            <a:prstGeom prst="rect">
+              <a:avLst/>
+            </a:prstGeom>
+          </p:spPr>
+        </p:pic>
+        <p:sp>
+          <p:nvSpPr>
+            <p:cNvPr id="16" name="文本框 15">
+              <a:extLst>
+                <a:ext uri="{FF2B5EF4-FFF2-40B4-BE49-F238E27FC236}">
+                  <a16:creationId xmlns:a16="http://schemas.microsoft.com/office/drawing/2014/main" id="{25A3A595-55CC-D220-118C-31CC08EBF059}"/>
+                </a:ext>
+              </a:extLst>
+            </p:cNvPr>
+            <p:cNvSpPr txBox="1"/>
+            <p:nvPr/>
+          </p:nvSpPr>
+          <p:spPr>
+            <a:xfrm>
+              <a:off x="4472546" y="3418675"/>
+              <a:ext cx="4311254" cy="338554"/>
+            </a:xfrm>
+            <a:prstGeom prst="rect">
+              <a:avLst/>
+            </a:prstGeom>
+            <a:noFill/>
+          </p:spPr>
+          <p:txBody>
+            <a:bodyPr wrap="square" rtlCol="0">
+              <a:spAutoFit/>
+            </a:bodyPr>
+            <a:lstStyle/>
+            <a:p>
+              <a:r>
+                <a:rPr lang="zh-CN" altLang="en-US" sz="1600" dirty="0">
+                  <a:solidFill>
+                    <a:srgbClr val="606C71"/>
+                  </a:solidFill>
+                  <a:latin typeface="Microsoft YaHei" panose="020B0503020204020204" pitchFamily="34" charset="-122"/>
+                  <a:ea typeface="Microsoft YaHei" panose="020B0503020204020204" pitchFamily="34" charset="-122"/>
+                </a:rPr>
+                <a:t>学士，车辆工程，清华大学，</a:t>
+              </a:r>
+              <a:r>
+                <a:rPr lang="en-US" altLang="zh-CN" sz="1600" dirty="0">
+                  <a:solidFill>
+                    <a:srgbClr val="606C71"/>
+                  </a:solidFill>
+                  <a:latin typeface="Microsoft YaHei" panose="020B0503020204020204" pitchFamily="34" charset="-122"/>
+                  <a:ea typeface="Microsoft YaHei" panose="020B0503020204020204" pitchFamily="34" charset="-122"/>
+                </a:rPr>
+                <a:t>2017</a:t>
+              </a:r>
+              <a:r>
+                <a:rPr lang="zh-CN" altLang="en-US" sz="1600" dirty="0">
+                  <a:solidFill>
+                    <a:srgbClr val="606C71"/>
+                  </a:solidFill>
+                  <a:latin typeface="Microsoft YaHei" panose="020B0503020204020204" pitchFamily="34" charset="-122"/>
+                  <a:ea typeface="Microsoft YaHei" panose="020B0503020204020204" pitchFamily="34" charset="-122"/>
+                </a:rPr>
+                <a:t>年</a:t>
+              </a:r>
+            </a:p>
+          </p:txBody>
+        </p:sp>
+      </p:grpSp>
+      <p:grpSp>
+        <p:nvGrpSpPr>
+          <p:cNvPr id="7" name="组合 6">
+            <a:extLst>
+              <a:ext uri="{FF2B5EF4-FFF2-40B4-BE49-F238E27FC236}">
+                <a16:creationId xmlns:a16="http://schemas.microsoft.com/office/drawing/2014/main" id="{FF4409D1-ACD2-E374-1EC3-09D495675F1D}"/>
+              </a:ext>
+            </a:extLst>
+          </p:cNvPr>
+          <p:cNvGrpSpPr/>
+          <p:nvPr/>
+        </p:nvGrpSpPr>
+        <p:grpSpPr>
+          <a:xfrm>
+            <a:off x="8925983" y="2256698"/>
+            <a:ext cx="1924654" cy="2296053"/>
+            <a:chOff x="8172105" y="1754201"/>
+            <a:chExt cx="1924654" cy="2296053"/>
+          </a:xfrm>
+        </p:grpSpPr>
+        <p:sp>
+          <p:nvSpPr>
+            <p:cNvPr id="8" name="文本框 7">
+              <a:extLst>
+                <a:ext uri="{FF2B5EF4-FFF2-40B4-BE49-F238E27FC236}">
+                  <a16:creationId xmlns:a16="http://schemas.microsoft.com/office/drawing/2014/main" id="{BB5E2D2C-E363-4F38-DD75-82B1BD54306E}"/>
+                </a:ext>
+              </a:extLst>
+            </p:cNvPr>
+            <p:cNvSpPr txBox="1"/>
+            <p:nvPr/>
+          </p:nvSpPr>
+          <p:spPr>
+            <a:xfrm>
+              <a:off x="8172105" y="1754201"/>
+              <a:ext cx="1210588" cy="400110"/>
+            </a:xfrm>
+            <a:prstGeom prst="rect">
+              <a:avLst/>
+            </a:prstGeom>
+            <a:noFill/>
+          </p:spPr>
+          <p:txBody>
+            <a:bodyPr wrap="none" rtlCol="0">
+              <a:spAutoFit/>
+            </a:bodyPr>
+            <a:lstStyle/>
+            <a:p>
+              <a:r>
+                <a:rPr lang="zh-CN" altLang="en-US" sz="2000" dirty="0">
+                  <a:solidFill>
+                    <a:srgbClr val="159957"/>
+                  </a:solidFill>
+                  <a:latin typeface="Microsoft YaHei" panose="020B0503020204020204" pitchFamily="34" charset="-122"/>
+                  <a:ea typeface="Microsoft YaHei" panose="020B0503020204020204" pitchFamily="34" charset="-122"/>
+                </a:rPr>
+                <a:t>研究方向</a:t>
+              </a:r>
+              <a:endParaRPr lang="en-US" altLang="zh-CN" sz="2000" dirty="0">
+                <a:solidFill>
+                  <a:srgbClr val="159957"/>
+                </a:solidFill>
+                <a:latin typeface="Microsoft YaHei" panose="020B0503020204020204" pitchFamily="34" charset="-122"/>
+                <a:ea typeface="Microsoft YaHei" panose="020B0503020204020204" pitchFamily="34" charset="-122"/>
+              </a:endParaRPr>
+            </a:p>
+          </p:txBody>
+        </p:sp>
+        <p:sp>
+          <p:nvSpPr>
+            <p:cNvPr id="9" name="文本框 8">
+              <a:extLst>
+                <a:ext uri="{FF2B5EF4-FFF2-40B4-BE49-F238E27FC236}">
+                  <a16:creationId xmlns:a16="http://schemas.microsoft.com/office/drawing/2014/main" id="{A7934E2D-AD7E-8044-46F0-832919C51ADE}"/>
+                </a:ext>
+              </a:extLst>
+            </p:cNvPr>
+            <p:cNvSpPr txBox="1"/>
+            <p:nvPr/>
+          </p:nvSpPr>
+          <p:spPr>
+            <a:xfrm>
+              <a:off x="8392446" y="2062466"/>
+              <a:ext cx="1704313" cy="1987788"/>
+            </a:xfrm>
+            <a:prstGeom prst="rect">
+              <a:avLst/>
+            </a:prstGeom>
+            <a:noFill/>
+          </p:spPr>
+          <p:txBody>
+            <a:bodyPr wrap="none" rtlCol="0">
+              <a:spAutoFit/>
+            </a:bodyPr>
+            <a:lstStyle/>
+            <a:p>
+              <a:pPr indent="-285750">
+                <a:lnSpc>
+                  <a:spcPct val="200000"/>
+                </a:lnSpc>
+                <a:buFont typeface="Wingdings" pitchFamily="2" charset="2"/>
+                <a:buChar char="l"/>
+              </a:pPr>
+              <a:r>
+                <a:rPr lang="zh-CN" altLang="en-US" sz="1600" dirty="0">
+                  <a:solidFill>
+                    <a:srgbClr val="606C71"/>
+                  </a:solidFill>
+                  <a:latin typeface="Microsoft YaHei" panose="020B0503020204020204" pitchFamily="34" charset="-122"/>
+                  <a:ea typeface="Microsoft YaHei" panose="020B0503020204020204" pitchFamily="34" charset="-122"/>
+                </a:rPr>
+                <a:t>智能辅助决策</a:t>
+              </a:r>
+              <a:endParaRPr lang="en-US" altLang="zh-CN" sz="1600" dirty="0">
+                <a:solidFill>
+                  <a:srgbClr val="606C71"/>
+                </a:solidFill>
+                <a:latin typeface="Microsoft YaHei" panose="020B0503020204020204" pitchFamily="34" charset="-122"/>
+                <a:ea typeface="Microsoft YaHei" panose="020B0503020204020204" pitchFamily="34" charset="-122"/>
+              </a:endParaRPr>
+            </a:p>
+            <a:p>
+              <a:pPr indent="-285750">
+                <a:lnSpc>
+                  <a:spcPct val="200000"/>
+                </a:lnSpc>
+                <a:buFont typeface="Wingdings" pitchFamily="2" charset="2"/>
+                <a:buChar char="l"/>
+              </a:pPr>
+              <a:r>
+                <a:rPr lang="zh-CN" altLang="en-US" sz="1600" dirty="0">
+                  <a:solidFill>
+                    <a:srgbClr val="606C71"/>
+                  </a:solidFill>
+                  <a:latin typeface="Microsoft YaHei" panose="020B0503020204020204" pitchFamily="34" charset="-122"/>
+                  <a:ea typeface="Microsoft YaHei" panose="020B0503020204020204" pitchFamily="34" charset="-122"/>
+                </a:rPr>
+                <a:t>多车协同规划</a:t>
+              </a:r>
+              <a:endParaRPr lang="en-US" altLang="zh-CN" sz="1600" dirty="0">
+                <a:solidFill>
+                  <a:srgbClr val="606C71"/>
+                </a:solidFill>
+                <a:latin typeface="Microsoft YaHei" panose="020B0503020204020204" pitchFamily="34" charset="-122"/>
+                <a:ea typeface="Microsoft YaHei" panose="020B0503020204020204" pitchFamily="34" charset="-122"/>
+              </a:endParaRPr>
+            </a:p>
+            <a:p>
+              <a:pPr indent="-285750">
+                <a:lnSpc>
+                  <a:spcPct val="200000"/>
+                </a:lnSpc>
+                <a:buFont typeface="Wingdings" pitchFamily="2" charset="2"/>
+                <a:buChar char="l"/>
+              </a:pPr>
+              <a:r>
+                <a:rPr lang="zh-CN" altLang="en-US" sz="1600" dirty="0">
+                  <a:solidFill>
+                    <a:srgbClr val="606C71"/>
+                  </a:solidFill>
+                  <a:latin typeface="Microsoft YaHei" panose="020B0503020204020204" pitchFamily="34" charset="-122"/>
+                  <a:ea typeface="Microsoft YaHei" panose="020B0503020204020204" pitchFamily="34" charset="-122"/>
+                </a:rPr>
+                <a:t>车辆风险评估</a:t>
+              </a:r>
+              <a:endParaRPr lang="en-US" altLang="zh-CN" sz="1600" dirty="0">
+                <a:solidFill>
+                  <a:srgbClr val="606C71"/>
+                </a:solidFill>
+                <a:latin typeface="Microsoft YaHei" panose="020B0503020204020204" pitchFamily="34" charset="-122"/>
+                <a:ea typeface="Microsoft YaHei" panose="020B0503020204020204" pitchFamily="34" charset="-122"/>
+              </a:endParaRPr>
+            </a:p>
+            <a:p>
+              <a:pPr indent="-285750">
+                <a:lnSpc>
+                  <a:spcPct val="200000"/>
+                </a:lnSpc>
+                <a:buFont typeface="Wingdings" pitchFamily="2" charset="2"/>
+                <a:buChar char="l"/>
+              </a:pPr>
+              <a:r>
+                <a:rPr lang="zh-CN" altLang="en-US" sz="1600" dirty="0">
+                  <a:solidFill>
+                    <a:srgbClr val="606C71"/>
+                  </a:solidFill>
+                  <a:latin typeface="Microsoft YaHei" panose="020B0503020204020204" pitchFamily="34" charset="-122"/>
+                  <a:ea typeface="Microsoft YaHei" panose="020B0503020204020204" pitchFamily="34" charset="-122"/>
+                </a:rPr>
+                <a:t>车辆安全控制</a:t>
+              </a:r>
+            </a:p>
+          </p:txBody>
+        </p:sp>
       </p:grpSp>
     </p:spTree>
     <p:extLst>

--- a/background.pptx
+++ b/background.pptx
@@ -3736,9 +3736,9 @@
         <p:grpSpPr>
           <a:xfrm>
             <a:off x="8925983" y="2256698"/>
-            <a:ext cx="1924654" cy="2296053"/>
+            <a:ext cx="2010277" cy="2356586"/>
             <a:chOff x="8172105" y="1754201"/>
-            <a:chExt cx="1924654" cy="2296053"/>
+            <a:chExt cx="2010277" cy="2356586"/>
           </a:xfrm>
         </p:grpSpPr>
         <p:sp>
@@ -3803,7 +3803,7 @@
           </p:nvSpPr>
           <p:spPr>
             <a:xfrm>
-              <a:off x="8392446" y="2062466"/>
+              <a:off x="8478069" y="2122999"/>
               <a:ext cx="1704313" cy="1987788"/>
             </a:xfrm>
             <a:prstGeom prst="rect">
